--- a/Jeopardy Data Analysis.pptx
+++ b/Jeopardy Data Analysis.pptx
@@ -12,13 +12,12 @@
     <p:sldId id="260" r:id="rId6"/>
     <p:sldId id="262" r:id="rId7"/>
     <p:sldId id="267" r:id="rId8"/>
-    <p:sldId id="269" r:id="rId9"/>
-    <p:sldId id="261" r:id="rId10"/>
-    <p:sldId id="263" r:id="rId11"/>
-    <p:sldId id="264" r:id="rId12"/>
-    <p:sldId id="265" r:id="rId13"/>
-    <p:sldId id="266" r:id="rId14"/>
-    <p:sldId id="268" r:id="rId15"/>
+    <p:sldId id="261" r:id="rId9"/>
+    <p:sldId id="263" r:id="rId10"/>
+    <p:sldId id="264" r:id="rId11"/>
+    <p:sldId id="265" r:id="rId12"/>
+    <p:sldId id="266" r:id="rId13"/>
+    <p:sldId id="268" r:id="rId14"/>
   </p:sldIdLst>
   <p:sldSz cx="12192000" cy="6858000"/>
   <p:notesSz cx="6858000" cy="9144000"/>
@@ -3178,123 +3177,6 @@
           <a:p>
             <a:r>
               <a:rPr lang="en-US" dirty="0" smtClean="0"/>
-              <a:t>K=5, TFIDF </a:t>
-            </a:r>
-            <a:r>
-              <a:rPr lang="en-US" dirty="0" err="1" smtClean="0"/>
-              <a:t>Vectorized</a:t>
-            </a:r>
-            <a:endParaRPr lang="en-US" dirty="0"/>
-          </a:p>
-        </p:txBody>
-      </p:sp>
-      <p:pic>
-        <p:nvPicPr>
-          <p:cNvPr id="6" name="Picture 5"/>
-          <p:cNvPicPr>
-            <a:picLocks noChangeAspect="1"/>
-          </p:cNvPicPr>
-          <p:nvPr/>
-        </p:nvPicPr>
-        <p:blipFill>
-          <a:blip r:embed="rId2">
-            <a:extLst>
-              <a:ext uri="{28A0092B-C50C-407E-A947-70E740481C1C}">
-                <a14:useLocalDpi xmlns:a14="http://schemas.microsoft.com/office/drawing/2010/main" val="0"/>
-              </a:ext>
-            </a:extLst>
-          </a:blip>
-          <a:stretch>
-            <a:fillRect/>
-          </a:stretch>
-        </p:blipFill>
-        <p:spPr>
-          <a:xfrm>
-            <a:off x="838200" y="1844675"/>
-            <a:ext cx="4368795" cy="2770188"/>
-          </a:xfrm>
-          <a:prstGeom prst="rect">
-            <a:avLst/>
-          </a:prstGeom>
-        </p:spPr>
-      </p:pic>
-      <p:pic>
-        <p:nvPicPr>
-          <p:cNvPr id="3" name="Picture 2"/>
-          <p:cNvPicPr>
-            <a:picLocks noChangeAspect="1"/>
-          </p:cNvPicPr>
-          <p:nvPr/>
-        </p:nvPicPr>
-        <p:blipFill>
-          <a:blip r:embed="rId3">
-            <a:extLst>
-              <a:ext uri="{28A0092B-C50C-407E-A947-70E740481C1C}">
-                <a14:useLocalDpi xmlns:a14="http://schemas.microsoft.com/office/drawing/2010/main" val="0"/>
-              </a:ext>
-            </a:extLst>
-          </a:blip>
-          <a:stretch>
-            <a:fillRect/>
-          </a:stretch>
-        </p:blipFill>
-        <p:spPr>
-          <a:xfrm>
-            <a:off x="5829300" y="3066376"/>
-            <a:ext cx="5410200" cy="3110587"/>
-          </a:xfrm>
-          <a:prstGeom prst="rect">
-            <a:avLst/>
-          </a:prstGeom>
-        </p:spPr>
-      </p:pic>
-    </p:spTree>
-    <p:extLst>
-      <p:ext uri="{BB962C8B-B14F-4D97-AF65-F5344CB8AC3E}">
-        <p14:creationId xmlns:p14="http://schemas.microsoft.com/office/powerpoint/2010/main" val="1400414928"/>
-      </p:ext>
-    </p:extLst>
-  </p:cSld>
-  <p:clrMapOvr>
-    <a:masterClrMapping/>
-  </p:clrMapOvr>
-</p:sld>
-</file>
-
-<file path=ppt/slides/slide11.xml><?xml version="1.0" encoding="utf-8"?>
-<p:sld xmlns:a="http://schemas.openxmlformats.org/drawingml/2006/main" xmlns:r="http://schemas.openxmlformats.org/officeDocument/2006/relationships" xmlns:p="http://schemas.openxmlformats.org/presentationml/2006/main">
-  <p:cSld>
-    <p:spTree>
-      <p:nvGrpSpPr>
-        <p:cNvPr id="1" name=""/>
-        <p:cNvGrpSpPr/>
-        <p:nvPr/>
-      </p:nvGrpSpPr>
-      <p:grpSpPr>
-        <a:xfrm>
-          <a:off x="0" y="0"/>
-          <a:ext cx="0" cy="0"/>
-          <a:chOff x="0" y="0"/>
-          <a:chExt cx="0" cy="0"/>
-        </a:xfrm>
-      </p:grpSpPr>
-      <p:sp>
-        <p:nvSpPr>
-          <p:cNvPr id="2" name="Title 1"/>
-          <p:cNvSpPr>
-            <a:spLocks noGrp="1"/>
-          </p:cNvSpPr>
-          <p:nvPr>
-            <p:ph type="title"/>
-          </p:nvPr>
-        </p:nvSpPr>
-        <p:spPr/>
-        <p:txBody>
-          <a:bodyPr/>
-          <a:lstStyle/>
-          <a:p>
-            <a:r>
-              <a:rPr lang="en-US" dirty="0" smtClean="0"/>
               <a:t>K=20, TFIDF </a:t>
             </a:r>
             <a:r>
@@ -3378,7 +3260,7 @@
 </p:sld>
 </file>
 
-<file path=ppt/slides/slide12.xml><?xml version="1.0" encoding="utf-8"?>
+<file path=ppt/slides/slide11.xml><?xml version="1.0" encoding="utf-8"?>
 <p:sld xmlns:a="http://schemas.openxmlformats.org/drawingml/2006/main" xmlns:r="http://schemas.openxmlformats.org/officeDocument/2006/relationships" xmlns:p="http://schemas.openxmlformats.org/presentationml/2006/main">
   <p:cSld>
     <p:spTree>
@@ -3495,7 +3377,7 @@
 </p:sld>
 </file>
 
-<file path=ppt/slides/slide13.xml><?xml version="1.0" encoding="utf-8"?>
+<file path=ppt/slides/slide12.xml><?xml version="1.0" encoding="utf-8"?>
 <p:sld xmlns:a="http://schemas.openxmlformats.org/drawingml/2006/main" xmlns:r="http://schemas.openxmlformats.org/officeDocument/2006/relationships" xmlns:p="http://schemas.openxmlformats.org/presentationml/2006/main">
   <p:cSld>
     <p:spTree>
@@ -3781,7 +3663,7 @@
 </p:sld>
 </file>
 
-<file path=ppt/slides/slide14.xml><?xml version="1.0" encoding="utf-8"?>
+<file path=ppt/slides/slide13.xml><?xml version="1.0" encoding="utf-8"?>
 <p:sld xmlns:a="http://schemas.openxmlformats.org/drawingml/2006/main" xmlns:r="http://schemas.openxmlformats.org/officeDocument/2006/relationships" xmlns:p="http://schemas.openxmlformats.org/presentationml/2006/main">
   <p:cSld>
     <p:spTree>
@@ -4415,11 +4297,7 @@
             </a:r>
             <a:r>
               <a:rPr lang="en-US" dirty="0" smtClean="0"/>
-              <a:t> </a:t>
-            </a:r>
-            <a:r>
-              <a:rPr lang="en-US" dirty="0" smtClean="0"/>
-              <a:t>and </a:t>
+              <a:t> and </a:t>
             </a:r>
             <a:r>
               <a:rPr lang="en-US" dirty="0" err="1" smtClean="0"/>
@@ -4758,6 +4636,30 @@
           </a:prstGeom>
         </p:spPr>
       </p:pic>
+      <p:pic>
+        <p:nvPicPr>
+          <p:cNvPr id="6" name="Picture 5"/>
+          <p:cNvPicPr>
+            <a:picLocks noChangeAspect="1"/>
+          </p:cNvPicPr>
+          <p:nvPr/>
+        </p:nvPicPr>
+        <p:blipFill>
+          <a:blip r:embed="rId3"/>
+          <a:stretch>
+            <a:fillRect/>
+          </a:stretch>
+        </p:blipFill>
+        <p:spPr>
+          <a:xfrm>
+            <a:off x="201405" y="3419926"/>
+            <a:ext cx="3727450" cy="2477560"/>
+          </a:xfrm>
+          <a:prstGeom prst="rect">
+            <a:avLst/>
+          </a:prstGeom>
+        </p:spPr>
+      </p:pic>
     </p:spTree>
     <p:extLst>
       <p:ext uri="{BB962C8B-B14F-4D97-AF65-F5344CB8AC3E}">
@@ -4772,60 +4674,6 @@
 </file>
 
 <file path=ppt/slides/slide8.xml><?xml version="1.0" encoding="utf-8"?>
-<p:sld xmlns:a="http://schemas.openxmlformats.org/drawingml/2006/main" xmlns:r="http://schemas.openxmlformats.org/officeDocument/2006/relationships" xmlns:p="http://schemas.openxmlformats.org/presentationml/2006/main">
-  <p:cSld>
-    <p:spTree>
-      <p:nvGrpSpPr>
-        <p:cNvPr id="1" name=""/>
-        <p:cNvGrpSpPr/>
-        <p:nvPr/>
-      </p:nvGrpSpPr>
-      <p:grpSpPr>
-        <a:xfrm>
-          <a:off x="0" y="0"/>
-          <a:ext cx="0" cy="0"/>
-          <a:chOff x="0" y="0"/>
-          <a:chExt cx="0" cy="0"/>
-        </a:xfrm>
-      </p:grpSpPr>
-      <p:pic>
-        <p:nvPicPr>
-          <p:cNvPr id="5" name="Picture 4"/>
-          <p:cNvPicPr>
-            <a:picLocks noChangeAspect="1"/>
-          </p:cNvPicPr>
-          <p:nvPr/>
-        </p:nvPicPr>
-        <p:blipFill>
-          <a:blip r:embed="rId2"/>
-          <a:stretch>
-            <a:fillRect/>
-          </a:stretch>
-        </p:blipFill>
-        <p:spPr>
-          <a:xfrm>
-            <a:off x="1835150" y="596900"/>
-            <a:ext cx="8521700" cy="5664200"/>
-          </a:xfrm>
-          <a:prstGeom prst="rect">
-            <a:avLst/>
-          </a:prstGeom>
-        </p:spPr>
-      </p:pic>
-    </p:spTree>
-    <p:extLst>
-      <p:ext uri="{BB962C8B-B14F-4D97-AF65-F5344CB8AC3E}">
-        <p14:creationId xmlns:p14="http://schemas.microsoft.com/office/powerpoint/2010/main" val="1631660632"/>
-      </p:ext>
-    </p:extLst>
-  </p:cSld>
-  <p:clrMapOvr>
-    <a:masterClrMapping/>
-  </p:clrMapOvr>
-</p:sld>
-</file>
-
-<file path=ppt/slides/slide9.xml><?xml version="1.0" encoding="utf-8"?>
 <p:sld xmlns:a="http://schemas.openxmlformats.org/drawingml/2006/main" xmlns:r="http://schemas.openxmlformats.org/officeDocument/2006/relationships" xmlns:p="http://schemas.openxmlformats.org/presentationml/2006/main">
   <p:cSld>
     <p:spTree>
@@ -4936,6 +4784,123 @@
     <p:extLst>
       <p:ext uri="{BB962C8B-B14F-4D97-AF65-F5344CB8AC3E}">
         <p14:creationId xmlns:p14="http://schemas.microsoft.com/office/powerpoint/2010/main" val="618447053"/>
+      </p:ext>
+    </p:extLst>
+  </p:cSld>
+  <p:clrMapOvr>
+    <a:masterClrMapping/>
+  </p:clrMapOvr>
+</p:sld>
+</file>
+
+<file path=ppt/slides/slide9.xml><?xml version="1.0" encoding="utf-8"?>
+<p:sld xmlns:a="http://schemas.openxmlformats.org/drawingml/2006/main" xmlns:r="http://schemas.openxmlformats.org/officeDocument/2006/relationships" xmlns:p="http://schemas.openxmlformats.org/presentationml/2006/main">
+  <p:cSld>
+    <p:spTree>
+      <p:nvGrpSpPr>
+        <p:cNvPr id="1" name=""/>
+        <p:cNvGrpSpPr/>
+        <p:nvPr/>
+      </p:nvGrpSpPr>
+      <p:grpSpPr>
+        <a:xfrm>
+          <a:off x="0" y="0"/>
+          <a:ext cx="0" cy="0"/>
+          <a:chOff x="0" y="0"/>
+          <a:chExt cx="0" cy="0"/>
+        </a:xfrm>
+      </p:grpSpPr>
+      <p:sp>
+        <p:nvSpPr>
+          <p:cNvPr id="2" name="Title 1"/>
+          <p:cNvSpPr>
+            <a:spLocks noGrp="1"/>
+          </p:cNvSpPr>
+          <p:nvPr>
+            <p:ph type="title"/>
+          </p:nvPr>
+        </p:nvSpPr>
+        <p:spPr/>
+        <p:txBody>
+          <a:bodyPr/>
+          <a:lstStyle/>
+          <a:p>
+            <a:r>
+              <a:rPr lang="en-US" dirty="0" smtClean="0"/>
+              <a:t>K=5, TFIDF </a:t>
+            </a:r>
+            <a:r>
+              <a:rPr lang="en-US" dirty="0" err="1" smtClean="0"/>
+              <a:t>Vectorized</a:t>
+            </a:r>
+            <a:endParaRPr lang="en-US" dirty="0"/>
+          </a:p>
+        </p:txBody>
+      </p:sp>
+      <p:pic>
+        <p:nvPicPr>
+          <p:cNvPr id="6" name="Picture 5"/>
+          <p:cNvPicPr>
+            <a:picLocks noChangeAspect="1"/>
+          </p:cNvPicPr>
+          <p:nvPr/>
+        </p:nvPicPr>
+        <p:blipFill>
+          <a:blip r:embed="rId2">
+            <a:extLst>
+              <a:ext uri="{28A0092B-C50C-407E-A947-70E740481C1C}">
+                <a14:useLocalDpi xmlns:a14="http://schemas.microsoft.com/office/drawing/2010/main" val="0"/>
+              </a:ext>
+            </a:extLst>
+          </a:blip>
+          <a:stretch>
+            <a:fillRect/>
+          </a:stretch>
+        </p:blipFill>
+        <p:spPr>
+          <a:xfrm>
+            <a:off x="838200" y="1844675"/>
+            <a:ext cx="4368795" cy="2770188"/>
+          </a:xfrm>
+          <a:prstGeom prst="rect">
+            <a:avLst/>
+          </a:prstGeom>
+        </p:spPr>
+      </p:pic>
+      <p:pic>
+        <p:nvPicPr>
+          <p:cNvPr id="3" name="Picture 2"/>
+          <p:cNvPicPr>
+            <a:picLocks noChangeAspect="1"/>
+          </p:cNvPicPr>
+          <p:nvPr/>
+        </p:nvPicPr>
+        <p:blipFill>
+          <a:blip r:embed="rId3">
+            <a:extLst>
+              <a:ext uri="{28A0092B-C50C-407E-A947-70E740481C1C}">
+                <a14:useLocalDpi xmlns:a14="http://schemas.microsoft.com/office/drawing/2010/main" val="0"/>
+              </a:ext>
+            </a:extLst>
+          </a:blip>
+          <a:stretch>
+            <a:fillRect/>
+          </a:stretch>
+        </p:blipFill>
+        <p:spPr>
+          <a:xfrm>
+            <a:off x="5829300" y="3066376"/>
+            <a:ext cx="5410200" cy="3110587"/>
+          </a:xfrm>
+          <a:prstGeom prst="rect">
+            <a:avLst/>
+          </a:prstGeom>
+        </p:spPr>
+      </p:pic>
+    </p:spTree>
+    <p:extLst>
+      <p:ext uri="{BB962C8B-B14F-4D97-AF65-F5344CB8AC3E}">
+        <p14:creationId xmlns:p14="http://schemas.microsoft.com/office/powerpoint/2010/main" val="1400414928"/>
       </p:ext>
     </p:extLst>
   </p:cSld>
